--- a/Team 7_Project/Project Presentations/Pre Project Presentation/Pre  Project Presentaation_Team7.pptx
+++ b/Team 7_Project/Project Presentations/Pre Project Presentation/Pre  Project Presentaation_Team7.pptx
@@ -244,7 +244,7 @@
             <a:fld id="{FDBD6149-F860-46EB-888F-B7F54A879ACB}" type="datetimeFigureOut">
               <a:rPr lang="en-US" smtClean="0"/>
               <a:pPr/>
-              <a:t>2/6/2019</a:t>
+              <a:t>9/18/2019</a:t>
             </a:fld>
             <a:endParaRPr lang="en-US"/>
           </a:p>
@@ -411,7 +411,7 @@
             <a:fld id="{F54DE4C5-FD42-43C3-A107-FC2F226E7727}" type="datetimeFigureOut">
               <a:rPr lang="en-US" smtClean="0"/>
               <a:pPr/>
-              <a:t>2/6/2019</a:t>
+              <a:t>9/18/2019</a:t>
             </a:fld>
             <a:endParaRPr lang="en-US"/>
           </a:p>
@@ -1133,7 +1133,7 @@
             <a:fld id="{1D8BD707-D9CF-40AE-B4C6-C98DA3205C09}" type="datetimeFigureOut">
               <a:rPr lang="en-US" smtClean="0"/>
               <a:pPr/>
-              <a:t>2/6/2019</a:t>
+              <a:t>9/18/2019</a:t>
             </a:fld>
             <a:endParaRPr lang="en-US"/>
           </a:p>
@@ -1343,7 +1343,7 @@
             <a:fld id="{1D8BD707-D9CF-40AE-B4C6-C98DA3205C09}" type="datetimeFigureOut">
               <a:rPr lang="en-US" smtClean="0"/>
               <a:pPr/>
-              <a:t>2/6/2019</a:t>
+              <a:t>9/18/2019</a:t>
             </a:fld>
             <a:endParaRPr lang="en-US"/>
           </a:p>
@@ -1553,7 +1553,7 @@
             <a:fld id="{1D8BD707-D9CF-40AE-B4C6-C98DA3205C09}" type="datetimeFigureOut">
               <a:rPr lang="en-US" smtClean="0"/>
               <a:pPr/>
-              <a:t>2/6/2019</a:t>
+              <a:t>9/18/2019</a:t>
             </a:fld>
             <a:endParaRPr lang="en-US"/>
           </a:p>
@@ -1763,7 +1763,7 @@
             <a:fld id="{1D8BD707-D9CF-40AE-B4C6-C98DA3205C09}" type="datetimeFigureOut">
               <a:rPr lang="en-US" smtClean="0"/>
               <a:pPr/>
-              <a:t>2/6/2019</a:t>
+              <a:t>9/18/2019</a:t>
             </a:fld>
             <a:endParaRPr lang="en-US"/>
           </a:p>
@@ -2039,7 +2039,7 @@
             <a:fld id="{1D8BD707-D9CF-40AE-B4C6-C98DA3205C09}" type="datetimeFigureOut">
               <a:rPr lang="en-US" smtClean="0"/>
               <a:pPr/>
-              <a:t>2/6/2019</a:t>
+              <a:t>9/18/2019</a:t>
             </a:fld>
             <a:endParaRPr lang="en-US"/>
           </a:p>
@@ -2365,7 +2365,7 @@
             <a:fld id="{1D8BD707-D9CF-40AE-B4C6-C98DA3205C09}" type="datetimeFigureOut">
               <a:rPr lang="en-US" smtClean="0"/>
               <a:pPr/>
-              <a:t>2/6/2019</a:t>
+              <a:t>9/18/2019</a:t>
             </a:fld>
             <a:endParaRPr lang="en-US"/>
           </a:p>
@@ -2831,7 +2831,7 @@
             <a:fld id="{1D8BD707-D9CF-40AE-B4C6-C98DA3205C09}" type="datetimeFigureOut">
               <a:rPr lang="en-US" smtClean="0"/>
               <a:pPr/>
-              <a:t>2/6/2019</a:t>
+              <a:t>9/18/2019</a:t>
             </a:fld>
             <a:endParaRPr lang="en-US"/>
           </a:p>
@@ -2981,7 +2981,7 @@
             <a:fld id="{1D8BD707-D9CF-40AE-B4C6-C98DA3205C09}" type="datetimeFigureOut">
               <a:rPr lang="en-US" smtClean="0"/>
               <a:pPr/>
-              <a:t>2/6/2019</a:t>
+              <a:t>9/18/2019</a:t>
             </a:fld>
             <a:endParaRPr lang="en-US"/>
           </a:p>
@@ -3533,7 +3533,7 @@
             <a:fld id="{1D8BD707-D9CF-40AE-B4C6-C98DA3205C09}" type="datetimeFigureOut">
               <a:rPr lang="en-US" smtClean="0"/>
               <a:pPr/>
-              <a:t>2/6/2019</a:t>
+              <a:t>9/18/2019</a:t>
             </a:fld>
             <a:endParaRPr lang="en-US"/>
           </a:p>
@@ -3823,7 +3823,7 @@
             <a:fld id="{1D8BD707-D9CF-40AE-B4C6-C98DA3205C09}" type="datetimeFigureOut">
               <a:rPr lang="en-US" smtClean="0"/>
               <a:pPr/>
-              <a:t>2/6/2019</a:t>
+              <a:t>9/18/2019</a:t>
             </a:fld>
             <a:endParaRPr lang="en-US"/>
           </a:p>
@@ -4987,7 +4987,7 @@
               <a:t>Team Leader				: </a:t>
             </a:r>
             <a:r>
-              <a:rPr lang="en-US" sz="2400" b="1" dirty="0" err="1" smtClean="0">
+              <a:rPr lang="en-US" sz="2400" b="1" dirty="0" smtClean="0">
                 <a:solidFill>
                   <a:srgbClr val="002060"/>
                 </a:solidFill>
@@ -4995,7 +4995,7 @@
                 <a:ea typeface="+mj-ea"/>
                 <a:cs typeface="+mj-cs"/>
               </a:rPr>
-              <a:t>Saurav</a:t>
+              <a:t>Ashish</a:t>
             </a:r>
             <a:r>
               <a:rPr lang="en-US" sz="2400" b="1" dirty="0" smtClean="0">
@@ -5006,7 +5006,18 @@
                 <a:ea typeface="+mj-ea"/>
                 <a:cs typeface="+mj-cs"/>
               </a:rPr>
-              <a:t> Kumar</a:t>
+              <a:t> </a:t>
+            </a:r>
+            <a:r>
+              <a:rPr lang="en-US" sz="2400" b="1" dirty="0" smtClean="0">
+                <a:solidFill>
+                  <a:srgbClr val="002060"/>
+                </a:solidFill>
+                <a:latin typeface="+mj-lt"/>
+                <a:ea typeface="+mj-ea"/>
+                <a:cs typeface="+mj-cs"/>
+              </a:rPr>
+              <a:t>Kumar</a:t>
             </a:r>
           </a:p>
           <a:p>
@@ -5181,47 +5192,7 @@
                   <a:schemeClr val="tx1"/>
                 </a:solidFill>
               </a:rPr>
-              <a:t>2.1</a:t>
-            </a:r>
-            <a:r>
-              <a:rPr lang="en-US" dirty="0" smtClean="0">
-                <a:solidFill>
-                  <a:schemeClr val="tx1"/>
-                </a:solidFill>
-              </a:rPr>
-              <a:t>: </a:t>
-            </a:r>
-            <a:r>
-              <a:rPr lang="en-US" dirty="0" smtClean="0">
-                <a:solidFill>
-                  <a:schemeClr val="tx1"/>
-                </a:solidFill>
-              </a:rPr>
-              <a:t>Design </a:t>
-            </a:r>
-            <a:r>
-              <a:rPr lang="en-US" dirty="0" smtClean="0">
-                <a:solidFill>
-                  <a:schemeClr val="tx1"/>
-                </a:solidFill>
-              </a:rPr>
-              <a:t>the flow chart and High-level ad Low-level diagrams for the developing </a:t>
-            </a:r>
-            <a:r>
-              <a:rPr lang="en-US" dirty="0" smtClean="0">
-                <a:solidFill>
-                  <a:schemeClr val="tx1"/>
-                </a:solidFill>
-              </a:rPr>
-              <a:t>algorithm,</a:t>
-            </a:r>
-            <a:r>
-              <a:rPr lang="en-US" dirty="0" smtClean="0">
-                <a:solidFill>
-                  <a:schemeClr val="tx1"/>
-                </a:solidFill>
-              </a:rPr>
-              <a:t> based </a:t>
+              <a:t>2.1: Design the flow chart and High-level ad Low-level diagrams for the developing algorithm, based </a:t>
             </a:r>
             <a:r>
               <a:rPr lang="en-US" dirty="0">
@@ -5261,15 +5232,7 @@
                   <a:schemeClr val="tx1"/>
                 </a:solidFill>
               </a:rPr>
-              <a:t>2.2: List </a:t>
-            </a:r>
-            <a:r>
-              <a:rPr lang="en-US" dirty="0" smtClean="0">
-                <a:solidFill>
-                  <a:schemeClr val="tx1"/>
-                </a:solidFill>
-              </a:rPr>
-              <a:t>out the different algorithms and software required for the application to be built. </a:t>
+              <a:t>2.2: List out the different algorithms and software required for the application to be built. </a:t>
             </a:r>
           </a:p>
           <a:p>
@@ -5774,11 +5737,6 @@
               </a:rPr>
               <a:t>3.2: Implement the developed algorithm that recognizes a manual character into a digital text document</a:t>
             </a:r>
-            <a:endParaRPr lang="en-US" dirty="0" smtClean="0">
-              <a:solidFill>
-                <a:schemeClr val="tx1"/>
-              </a:solidFill>
-            </a:endParaRPr>
           </a:p>
           <a:p>
             <a:pPr lvl="2" algn="l"/>
@@ -6217,11 +6175,7 @@
             </a:r>
             <a:r>
               <a:rPr lang="en-US" dirty="0" smtClean="0"/>
-              <a:t>.1</a:t>
-            </a:r>
-            <a:r>
-              <a:rPr lang="en-US" dirty="0" smtClean="0"/>
-              <a:t>: Collecting various test samples for the input.</a:t>
+              <a:t>.1: Collecting various test samples for the input.</a:t>
             </a:r>
           </a:p>
           <a:p>
@@ -6234,11 +6188,7 @@
             </a:r>
             <a:r>
               <a:rPr lang="en-US" dirty="0" smtClean="0"/>
-              <a:t>.2</a:t>
-            </a:r>
-            <a:r>
-              <a:rPr lang="en-US" dirty="0" smtClean="0"/>
-              <a:t>: Conducting unit testing and software testing.</a:t>
+              <a:t>.2: Conducting unit testing and software testing.</a:t>
             </a:r>
           </a:p>
           <a:p>
@@ -6251,11 +6201,7 @@
             </a:r>
             <a:r>
               <a:rPr lang="en-US" dirty="0" smtClean="0"/>
-              <a:t>.3</a:t>
-            </a:r>
-            <a:r>
-              <a:rPr lang="en-US" dirty="0" smtClean="0"/>
-              <a:t>: </a:t>
+              <a:t>.3: </a:t>
             </a:r>
             <a:r>
               <a:rPr lang="en-US" dirty="0"/>
@@ -6772,15 +6718,7 @@
                   <a:schemeClr val="tx1"/>
                 </a:solidFill>
               </a:rPr>
-              <a:t>. </a:t>
-            </a:r>
-            <a:r>
-              <a:rPr lang="en-US" dirty="0" smtClean="0">
-                <a:solidFill>
-                  <a:schemeClr val="tx1"/>
-                </a:solidFill>
-              </a:rPr>
-              <a:t>To document the report by unifying all the 	results and outcomes.</a:t>
+              <a:t>. To document the report by unifying all the 	results and outcomes.</a:t>
             </a:r>
           </a:p>
           <a:p>
@@ -6901,15 +6839,7 @@
                   <a:schemeClr val="tx1"/>
                 </a:solidFill>
               </a:rPr>
-              <a:t>5</a:t>
-            </a:r>
-            <a:r>
-              <a:rPr lang="en-US" dirty="0" smtClean="0">
-                <a:solidFill>
-                  <a:schemeClr val="tx1"/>
-                </a:solidFill>
-              </a:rPr>
-              <a:t>.4</a:t>
+              <a:t>5.4</a:t>
             </a:r>
             <a:r>
               <a:rPr lang="en-US" dirty="0">
@@ -22463,15 +22393,7 @@
           <a:p>
             <a:r>
               <a:rPr lang="en-US" sz="2800" dirty="0" smtClean="0"/>
-              <a:t>These </a:t>
-            </a:r>
-            <a:r>
-              <a:rPr lang="en-US" sz="2800" dirty="0" smtClean="0"/>
-              <a:t>handwritten or printed documents stay in a large pile of pages at workplace, instead now they can be turned into digital information that can be easily interpreted by the computer</a:t>
-            </a:r>
-            <a:r>
-              <a:rPr lang="en-US" sz="2800" dirty="0" smtClean="0"/>
-              <a:t>.</a:t>
+              <a:t>These handwritten or printed documents stay in a large pile of pages at workplace, instead now they can be turned into digital information that can be easily interpreted by the computer.</a:t>
             </a:r>
           </a:p>
           <a:p>
@@ -22479,7 +22401,6 @@
               <a:rPr lang="en-US" sz="2800" dirty="0"/>
               <a:t>This project holds great significance since it aims to assist in easing the conversion from manual to digital text type</a:t>
             </a:r>
-            <a:endParaRPr lang="en-US" sz="2800" dirty="0"/>
           </a:p>
           <a:p>
             <a:pPr marL="0" indent="0">
@@ -23930,11 +23851,7 @@
             </a:pPr>
             <a:r>
               <a:rPr lang="en-US" dirty="0" smtClean="0"/>
-              <a:t>1.1: Existing books, papers and articles surveyed for character recognition and machine learning</a:t>
-            </a:r>
-            <a:r>
-              <a:rPr lang="en-US" dirty="0" smtClean="0"/>
-              <a:t> </a:t>
+              <a:t>1.1: Existing books, papers and articles surveyed for character recognition and machine learning </a:t>
             </a:r>
             <a:r>
               <a:rPr lang="en-US" sz="1600" dirty="0" smtClean="0"/>
